--- a/03.navegadores_web.pptx
+++ b/03.navegadores_web.pptx
@@ -277,18 +277,10 @@
       <p15:sldGuideLst xmlns:p15="http://schemas.microsoft.com/office/powerpoint/2012/main"/>
     </p:ext>
     <p:ext uri="http://customooxmlschemas.google.com/">
-      <go:slidesCustomData xmlns:go="http://customooxmlschemas.google.com/" xmlns:ahyp="http://schemas.microsoft.com/office/drawing/2018/hyperlinkcolor" xmlns:p15="http://schemas.microsoft.com/office/powerpoint/2012/main" xmlns:p14="http://schemas.microsoft.com/office/powerpoint/2010/main" xmlns:com="http://schemas.openxmlformats.org/drawingml/2006/compatibility" xmlns:pvml="urn:schemas-microsoft-com:office:powerpoint" xmlns:v="urn:schemas-microsoft-com:vml" xmlns:o="urn:schemas-microsoft-com:office:office" xmlns:dgm="http://schemas.openxmlformats.org/drawingml/2006/diagram" xmlns:c="http://schemas.openxmlformats.org/drawingml/2006/chart" xmlns:mv="urn:schemas-microsoft-com:mac:vml" xmlns:mc="http://schemas.openxmlformats.org/markup-compatibility/2006" xmlns="" r:id="rId34" roundtripDataSignature="AMtx7mhvwoM9eB9/dioecwqT0tewQNWU8w=="/>
+      <go:slidesCustomData xmlns="" xmlns:mc="http://schemas.openxmlformats.org/markup-compatibility/2006" xmlns:mv="urn:schemas-microsoft-com:mac:vml" xmlns:c="http://schemas.openxmlformats.org/drawingml/2006/chart" xmlns:dgm="http://schemas.openxmlformats.org/drawingml/2006/diagram" xmlns:o="urn:schemas-microsoft-com:office:office" xmlns:v="urn:schemas-microsoft-com:vml" xmlns:pvml="urn:schemas-microsoft-com:office:powerpoint" xmlns:com="http://schemas.openxmlformats.org/drawingml/2006/compatibility" xmlns:p14="http://schemas.microsoft.com/office/powerpoint/2010/main" xmlns:p15="http://schemas.microsoft.com/office/powerpoint/2012/main" xmlns:ahyp="http://schemas.microsoft.com/office/drawing/2018/hyperlinkcolor" xmlns:go="http://customooxmlschemas.google.com/" r:id="rId34" roundtripDataSignature="AMtx7mhvwoM9eB9/dioecwqT0tewQNWU8w=="/>
     </p:ext>
   </p:extLst>
 </p:presentation>
-</file>
-
-<file path=ppt/revisionInfo.xml><?xml version="1.0" encoding="utf-8"?>
-<p1510:revInfo xmlns:a="http://schemas.openxmlformats.org/drawingml/2006/main" xmlns:r="http://schemas.openxmlformats.org/officeDocument/2006/relationships" xmlns:p1510="http://schemas.microsoft.com/office/powerpoint/2015/10/main">
-  <p1510:revLst>
-    <p1510:client id="{E74E7711-A2E0-4258-BC7F-E8CE98546F57}" v="28" dt="2023-08-29T03:42:11.827"/>
-  </p1510:revLst>
-</p1510:revInfo>
 </file>
 
 <file path=ppt/changesInfos/changesInfo1.xml><?xml version="1.0" encoding="utf-8"?>
@@ -1889,6 +1881,22 @@
     </pc:docChg>
   </pc:docChgLst>
   <pc:docChgLst>
+    <pc:chgData name="NORBEY DANILO MUÑOZ CAÑON" userId="29f64d73-8b12-4c53-a9f3-1c223397a229" providerId="ADAL" clId="{49AACB3D-839D-44BE-8EE8-A616A50EB7EB}"/>
+    <pc:docChg chg="modSld">
+      <pc:chgData name="NORBEY DANILO MUÑOZ CAÑON" userId="29f64d73-8b12-4c53-a9f3-1c223397a229" providerId="ADAL" clId="{49AACB3D-839D-44BE-8EE8-A616A50EB7EB}" dt="2023-09-06T03:04:40.465" v="12" actId="20577"/>
+      <pc:docMkLst>
+        <pc:docMk/>
+      </pc:docMkLst>
+      <pc:sldChg chg="modNotesTx">
+        <pc:chgData name="NORBEY DANILO MUÑOZ CAÑON" userId="29f64d73-8b12-4c53-a9f3-1c223397a229" providerId="ADAL" clId="{49AACB3D-839D-44BE-8EE8-A616A50EB7EB}" dt="2023-09-06T03:04:40.465" v="12" actId="20577"/>
+        <pc:sldMkLst>
+          <pc:docMk/>
+          <pc:sldMk cId="778650556" sldId="274"/>
+        </pc:sldMkLst>
+      </pc:sldChg>
+    </pc:docChg>
+  </pc:docChgLst>
+  <pc:docChgLst>
     <pc:chgData name="NORBEY DANILO" userId="29f64d73-8b12-4c53-a9f3-1c223397a229" providerId="ADAL" clId="{57AABCDC-F7D7-4BFD-B6E8-2F83DF00E239}"/>
     <pc:docChg chg="undo custSel addSld modSld sldOrd">
       <pc:chgData name="NORBEY DANILO" userId="29f64d73-8b12-4c53-a9f3-1c223397a229" providerId="ADAL" clId="{57AABCDC-F7D7-4BFD-B6E8-2F83DF00E239}" dt="2023-02-28T04:01:11.541" v="325" actId="1076"/>
@@ -4102,6 +4110,350 @@
           </a:bodyPr>
           <a:lstStyle/>
           <a:p>
+            <a:pPr algn="l"/>
+            <a:r>
+              <a:rPr lang="es-ES" b="1" i="0" dirty="0">
+                <a:solidFill>
+                  <a:srgbClr val="202122"/>
+                </a:solidFill>
+                <a:effectLst/>
+                <a:latin typeface="Arial" panose="020B0604020202020204" pitchFamily="34" charset="0"/>
+              </a:rPr>
+              <a:t>Dominio del nivel superior</a:t>
+            </a:r>
+            <a:r>
+              <a:rPr lang="es-ES" b="0" i="0" dirty="0">
+                <a:solidFill>
+                  <a:srgbClr val="202122"/>
+                </a:solidFill>
+                <a:effectLst/>
+                <a:latin typeface="Arial" panose="020B0604020202020204" pitchFamily="34" charset="0"/>
+              </a:rPr>
+              <a:t> o TLD (del inglés </a:t>
+            </a:r>
+            <a:r>
+              <a:rPr lang="es-ES" b="0" i="1" dirty="0">
+                <a:solidFill>
+                  <a:srgbClr val="202122"/>
+                </a:solidFill>
+                <a:effectLst/>
+                <a:latin typeface="Arial" panose="020B0604020202020204" pitchFamily="34" charset="0"/>
+              </a:rPr>
+              <a:t>top-</a:t>
+            </a:r>
+            <a:r>
+              <a:rPr lang="es-ES" b="0" i="1" dirty="0" err="1">
+                <a:solidFill>
+                  <a:srgbClr val="202122"/>
+                </a:solidFill>
+                <a:effectLst/>
+                <a:latin typeface="Arial" panose="020B0604020202020204" pitchFamily="34" charset="0"/>
+              </a:rPr>
+              <a:t>level</a:t>
+            </a:r>
+            <a:r>
+              <a:rPr lang="es-ES" b="0" i="1" dirty="0">
+                <a:solidFill>
+                  <a:srgbClr val="202122"/>
+                </a:solidFill>
+                <a:effectLst/>
+                <a:latin typeface="Arial" panose="020B0604020202020204" pitchFamily="34" charset="0"/>
+              </a:rPr>
+              <a:t> </a:t>
+            </a:r>
+            <a:r>
+              <a:rPr lang="es-ES" b="0" i="1" dirty="0" err="1">
+                <a:solidFill>
+                  <a:srgbClr val="202122"/>
+                </a:solidFill>
+                <a:effectLst/>
+                <a:latin typeface="Arial" panose="020B0604020202020204" pitchFamily="34" charset="0"/>
+              </a:rPr>
+              <a:t>domain</a:t>
+            </a:r>
+            <a:r>
+              <a:rPr lang="es-ES" b="0" i="0" dirty="0">
+                <a:solidFill>
+                  <a:srgbClr val="202122"/>
+                </a:solidFill>
+                <a:effectLst/>
+                <a:latin typeface="Arial" panose="020B0604020202020204" pitchFamily="34" charset="0"/>
+              </a:rPr>
+              <a:t>) es la más alta categoría de los </a:t>
+            </a:r>
+            <a:r>
+              <a:rPr lang="es-ES" b="0" i="0" u="none" strike="noStrike" dirty="0">
+                <a:solidFill>
+                  <a:srgbClr val="3366CC"/>
+                </a:solidFill>
+                <a:effectLst/>
+                <a:latin typeface="Arial" panose="020B0604020202020204" pitchFamily="34" charset="0"/>
+                <a:hlinkClick r:id="rId3" tooltip="FQDN"/>
+              </a:rPr>
+              <a:t>FQDN</a:t>
+            </a:r>
+            <a:r>
+              <a:rPr lang="es-ES" b="0" i="0" dirty="0">
+                <a:solidFill>
+                  <a:srgbClr val="202122"/>
+                </a:solidFill>
+                <a:effectLst/>
+                <a:latin typeface="Arial" panose="020B0604020202020204" pitchFamily="34" charset="0"/>
+              </a:rPr>
+              <a:t> que es traducida a </a:t>
+            </a:r>
+            <a:r>
+              <a:rPr lang="es-ES" b="0" i="0" u="none" strike="noStrike" dirty="0">
+                <a:solidFill>
+                  <a:srgbClr val="3366CC"/>
+                </a:solidFill>
+                <a:effectLst/>
+                <a:latin typeface="Arial" panose="020B0604020202020204" pitchFamily="34" charset="0"/>
+                <a:hlinkClick r:id="rId4" tooltip="Dirección IP"/>
+              </a:rPr>
+              <a:t>direcciones IP</a:t>
+            </a:r>
+            <a:r>
+              <a:rPr lang="es-ES" b="0" i="0" dirty="0">
+                <a:solidFill>
+                  <a:srgbClr val="202122"/>
+                </a:solidFill>
+                <a:effectLst/>
+                <a:latin typeface="Arial" panose="020B0604020202020204" pitchFamily="34" charset="0"/>
+              </a:rPr>
+              <a:t> por los </a:t>
+            </a:r>
+            <a:r>
+              <a:rPr lang="es-ES" b="0" i="0" u="none" strike="noStrike" dirty="0">
+                <a:solidFill>
+                  <a:srgbClr val="3366CC"/>
+                </a:solidFill>
+                <a:effectLst/>
+                <a:latin typeface="Arial" panose="020B0604020202020204" pitchFamily="34" charset="0"/>
+                <a:hlinkClick r:id="rId5" tooltip="Domain Name System"/>
+              </a:rPr>
+              <a:t>DNS</a:t>
+            </a:r>
+            <a:r>
+              <a:rPr lang="es-ES" b="0" i="0" dirty="0">
+                <a:solidFill>
+                  <a:srgbClr val="202122"/>
+                </a:solidFill>
+                <a:effectLst/>
+                <a:latin typeface="Arial" panose="020B0604020202020204" pitchFamily="34" charset="0"/>
+              </a:rPr>
+              <a:t> oficiales de </a:t>
+            </a:r>
+            <a:r>
+              <a:rPr lang="es-ES" b="0" i="0" u="none" strike="noStrike" dirty="0">
+                <a:solidFill>
+                  <a:srgbClr val="3366CC"/>
+                </a:solidFill>
+                <a:effectLst/>
+                <a:latin typeface="Arial" panose="020B0604020202020204" pitchFamily="34" charset="0"/>
+                <a:hlinkClick r:id="rId6" tooltip="Internet"/>
+              </a:rPr>
+              <a:t>Internet</a:t>
+            </a:r>
+            <a:r>
+              <a:rPr lang="es-ES" b="0" i="0" dirty="0">
+                <a:solidFill>
+                  <a:srgbClr val="202122"/>
+                </a:solidFill>
+                <a:effectLst/>
+                <a:latin typeface="Arial" panose="020B0604020202020204" pitchFamily="34" charset="0"/>
+              </a:rPr>
+              <a:t>. Por ejemplo, </a:t>
+            </a:r>
+          </a:p>
+          <a:p>
+            <a:pPr algn="l"/>
+            <a:endParaRPr lang="es-ES" b="0" i="0" dirty="0">
+              <a:solidFill>
+                <a:srgbClr val="202122"/>
+              </a:solidFill>
+              <a:effectLst/>
+              <a:latin typeface="Arial" panose="020B0604020202020204" pitchFamily="34" charset="0"/>
+            </a:endParaRPr>
+          </a:p>
+          <a:p>
+            <a:pPr algn="l"/>
+            <a:r>
+              <a:rPr lang="es-ES" b="0" i="0" dirty="0">
+                <a:solidFill>
+                  <a:srgbClr val="202122"/>
+                </a:solidFill>
+                <a:effectLst/>
+                <a:latin typeface="Arial" panose="020B0604020202020204" pitchFamily="34" charset="0"/>
+              </a:rPr>
+              <a:t>supongamos el </a:t>
+            </a:r>
+            <a:r>
+              <a:rPr lang="es-ES" b="0" i="0" u="none" strike="noStrike" dirty="0">
+                <a:solidFill>
+                  <a:srgbClr val="3366CC"/>
+                </a:solidFill>
+                <a:effectLst/>
+                <a:latin typeface="Arial" panose="020B0604020202020204" pitchFamily="34" charset="0"/>
+                <a:hlinkClick r:id="rId3" tooltip="FQDN"/>
+              </a:rPr>
+              <a:t>FQDN</a:t>
+            </a:r>
+            <a:r>
+              <a:rPr lang="es-ES" b="0" i="0" dirty="0">
+                <a:solidFill>
+                  <a:srgbClr val="202122"/>
+                </a:solidFill>
+                <a:effectLst/>
+                <a:latin typeface="Arial" panose="020B0604020202020204" pitchFamily="34" charset="0"/>
+              </a:rPr>
+              <a:t> www.wikipedia.org:</a:t>
+            </a:r>
+          </a:p>
+          <a:p>
+            <a:pPr algn="l">
+              <a:buFont typeface="Arial" panose="020B0604020202020204" pitchFamily="34" charset="0"/>
+              <a:buChar char="•"/>
+            </a:pPr>
+            <a:r>
+              <a:rPr lang="es-ES" b="0" i="0" dirty="0">
+                <a:solidFill>
+                  <a:srgbClr val="202122"/>
+                </a:solidFill>
+                <a:effectLst/>
+                <a:latin typeface="Arial" panose="020B0604020202020204" pitchFamily="34" charset="0"/>
+              </a:rPr>
+              <a:t>El dominio de nivel superior será: </a:t>
+            </a:r>
+            <a:r>
+              <a:rPr lang="es-ES" b="0" i="0" u="none" strike="noStrike" dirty="0">
+                <a:solidFill>
+                  <a:srgbClr val="3366CC"/>
+                </a:solidFill>
+                <a:effectLst/>
+                <a:latin typeface="Arial" panose="020B0604020202020204" pitchFamily="34" charset="0"/>
+                <a:hlinkClick r:id="rId7" tooltip=".org"/>
+              </a:rPr>
+              <a:t>.</a:t>
+            </a:r>
+            <a:r>
+              <a:rPr lang="es-ES" b="0" i="0" u="none" strike="noStrike" dirty="0" err="1">
+                <a:solidFill>
+                  <a:srgbClr val="3366CC"/>
+                </a:solidFill>
+                <a:effectLst/>
+                <a:latin typeface="Arial" panose="020B0604020202020204" pitchFamily="34" charset="0"/>
+                <a:hlinkClick r:id="rId7" tooltip=".org"/>
+              </a:rPr>
+              <a:t>org</a:t>
+            </a:r>
+            <a:r>
+              <a:rPr lang="es-ES" b="0" i="0" dirty="0">
+                <a:solidFill>
+                  <a:srgbClr val="202122"/>
+                </a:solidFill>
+                <a:effectLst/>
+                <a:latin typeface="Arial" panose="020B0604020202020204" pitchFamily="34" charset="0"/>
+              </a:rPr>
+              <a:t>.</a:t>
+            </a:r>
+          </a:p>
+          <a:p>
+            <a:pPr algn="l">
+              <a:buFont typeface="Arial" panose="020B0604020202020204" pitchFamily="34" charset="0"/>
+              <a:buChar char="•"/>
+            </a:pPr>
+            <a:r>
+              <a:rPr lang="es-ES" b="0" i="0" dirty="0">
+                <a:solidFill>
+                  <a:srgbClr val="202122"/>
+                </a:solidFill>
+                <a:effectLst/>
+                <a:latin typeface="Arial" panose="020B0604020202020204" pitchFamily="34" charset="0"/>
+              </a:rPr>
+              <a:t>El nombre de </a:t>
+            </a:r>
+            <a:r>
+              <a:rPr lang="es-ES" b="0" i="0" u="none" strike="noStrike" dirty="0">
+                <a:solidFill>
+                  <a:srgbClr val="3366CC"/>
+                </a:solidFill>
+                <a:effectLst/>
+                <a:latin typeface="Arial" panose="020B0604020202020204" pitchFamily="34" charset="0"/>
+                <a:hlinkClick r:id="rId8" tooltip="Dominio de Internet"/>
+              </a:rPr>
+              <a:t>dominio</a:t>
+            </a:r>
+            <a:r>
+              <a:rPr lang="es-ES" b="0" i="0" dirty="0">
+                <a:solidFill>
+                  <a:srgbClr val="202122"/>
+                </a:solidFill>
+                <a:effectLst/>
+                <a:latin typeface="Arial" panose="020B0604020202020204" pitchFamily="34" charset="0"/>
+              </a:rPr>
+              <a:t> registrado será (SLD): </a:t>
+            </a:r>
+            <a:r>
+              <a:rPr lang="es-ES" b="0" i="0" u="none" strike="noStrike" dirty="0" err="1">
+                <a:solidFill>
+                  <a:srgbClr val="3366CC"/>
+                </a:solidFill>
+                <a:effectLst/>
+                <a:latin typeface="Arial" panose="020B0604020202020204" pitchFamily="34" charset="0"/>
+                <a:hlinkClick r:id="rId9" tooltip="Wikipedia"/>
+              </a:rPr>
+              <a:t>wikipedia</a:t>
+            </a:r>
+            <a:r>
+              <a:rPr lang="es-ES" b="0" i="0" dirty="0">
+                <a:solidFill>
+                  <a:srgbClr val="202122"/>
+                </a:solidFill>
+                <a:effectLst/>
+                <a:latin typeface="Arial" panose="020B0604020202020204" pitchFamily="34" charset="0"/>
+              </a:rPr>
+              <a:t>.</a:t>
+            </a:r>
+          </a:p>
+          <a:p>
+            <a:pPr algn="l">
+              <a:buFont typeface="Arial" panose="020B0604020202020204" pitchFamily="34" charset="0"/>
+              <a:buChar char="•"/>
+            </a:pPr>
+            <a:r>
+              <a:rPr lang="es-ES" b="0" i="0" dirty="0">
+                <a:solidFill>
+                  <a:srgbClr val="202122"/>
+                </a:solidFill>
+                <a:effectLst/>
+                <a:latin typeface="Arial" panose="020B0604020202020204" pitchFamily="34" charset="0"/>
+              </a:rPr>
+              <a:t>El subdominio será: </a:t>
+            </a:r>
+            <a:r>
+              <a:rPr lang="es-ES" b="0" i="0" u="none" strike="noStrike" dirty="0">
+                <a:solidFill>
+                  <a:srgbClr val="3366CC"/>
+                </a:solidFill>
+                <a:effectLst/>
+                <a:latin typeface="Arial" panose="020B0604020202020204" pitchFamily="34" charset="0"/>
+                <a:hlinkClick r:id="rId10" tooltip="World Wide Web"/>
+              </a:rPr>
+              <a:t>www</a:t>
+            </a:r>
+            <a:r>
+              <a:rPr lang="es-ES" b="0" i="0" dirty="0">
+                <a:solidFill>
+                  <a:srgbClr val="202122"/>
+                </a:solidFill>
+                <a:effectLst/>
+                <a:latin typeface="Arial" panose="020B0604020202020204" pitchFamily="34" charset="0"/>
+              </a:rPr>
+              <a:t>.</a:t>
+            </a:r>
+          </a:p>
+          <a:p>
             <a:pPr marL="0" lvl="0" indent="0" algn="l" rtl="0">
               <a:spcBef>
                 <a:spcPts val="0"/>
@@ -4111,7 +4463,7 @@
               </a:spcAft>
               <a:buNone/>
             </a:pPr>
-            <a:endParaRPr/>
+            <a:endParaRPr dirty="0"/>
           </a:p>
         </p:txBody>
       </p:sp>
